--- a/Writing & Literature/Graphics from pptx/Thesis_Graphics.pptx
+++ b/Writing & Literature/Graphics from pptx/Thesis_Graphics.pptx
@@ -5,7 +5,7 @@
     <p:sldMasterId id="2147483648" r:id="rId1"/>
   </p:sldMasterIdLst>
   <p:notesMasterIdLst>
-    <p:notesMasterId r:id="rId9"/>
+    <p:notesMasterId r:id="rId10"/>
   </p:notesMasterIdLst>
   <p:sldIdLst>
     <p:sldId id="256" r:id="rId2"/>
@@ -13,8 +13,9 @@
     <p:sldId id="259" r:id="rId4"/>
     <p:sldId id="260" r:id="rId5"/>
     <p:sldId id="258" r:id="rId6"/>
-    <p:sldId id="261" r:id="rId7"/>
-    <p:sldId id="262" r:id="rId8"/>
+    <p:sldId id="263" r:id="rId7"/>
+    <p:sldId id="261" r:id="rId8"/>
+    <p:sldId id="262" r:id="rId9"/>
   </p:sldIdLst>
   <p:sldSz cx="12192000" cy="6858000"/>
   <p:notesSz cx="6858000" cy="9144000"/>
@@ -127,6 +128,7 @@
             <p14:sldId id="259"/>
             <p14:sldId id="260"/>
             <p14:sldId id="258"/>
+            <p14:sldId id="263"/>
           </p14:sldIdLst>
         </p14:section>
         <p14:section name="Results" id="{C00862F1-0816-5B44-BAEA-083D10C463FE}">
@@ -237,7 +239,7 @@
           <a:p>
             <a:fld id="{EE64E0C6-D745-2F45-B6C1-7E22DBAC91E9}" type="datetimeFigureOut">
               <a:rPr lang="en-US" smtClean="0"/>
-              <a:t>12/26/21</a:t>
+              <a:t>2/4/22</a:t>
             </a:fld>
             <a:endParaRPr lang="en-US"/>
           </a:p>
@@ -821,7 +823,7 @@
           <a:p>
             <a:fld id="{F03427BD-50D7-B148-B086-D1D5AD35C279}" type="slidenum">
               <a:rPr lang="en-US" smtClean="0"/>
-              <a:t>6</a:t>
+              <a:t>7</a:t>
             </a:fld>
             <a:endParaRPr lang="en-US"/>
           </a:p>
@@ -987,7 +989,7 @@
           <a:p>
             <a:fld id="{D49AABF1-CDC8-B94F-9D7D-89A3319E6394}" type="datetimeFigureOut">
               <a:rPr lang="en-US" smtClean="0"/>
-              <a:t>12/26/21</a:t>
+              <a:t>2/4/22</a:t>
             </a:fld>
             <a:endParaRPr lang="en-US"/>
           </a:p>
@@ -1185,7 +1187,7 @@
           <a:p>
             <a:fld id="{D49AABF1-CDC8-B94F-9D7D-89A3319E6394}" type="datetimeFigureOut">
               <a:rPr lang="en-US" smtClean="0"/>
-              <a:t>12/26/21</a:t>
+              <a:t>2/4/22</a:t>
             </a:fld>
             <a:endParaRPr lang="en-US"/>
           </a:p>
@@ -1393,7 +1395,7 @@
           <a:p>
             <a:fld id="{D49AABF1-CDC8-B94F-9D7D-89A3319E6394}" type="datetimeFigureOut">
               <a:rPr lang="en-US" smtClean="0"/>
-              <a:t>12/26/21</a:t>
+              <a:t>2/4/22</a:t>
             </a:fld>
             <a:endParaRPr lang="en-US"/>
           </a:p>
@@ -1591,7 +1593,7 @@
           <a:p>
             <a:fld id="{D49AABF1-CDC8-B94F-9D7D-89A3319E6394}" type="datetimeFigureOut">
               <a:rPr lang="en-US" smtClean="0"/>
-              <a:t>12/26/21</a:t>
+              <a:t>2/4/22</a:t>
             </a:fld>
             <a:endParaRPr lang="en-US"/>
           </a:p>
@@ -1866,7 +1868,7 @@
           <a:p>
             <a:fld id="{D49AABF1-CDC8-B94F-9D7D-89A3319E6394}" type="datetimeFigureOut">
               <a:rPr lang="en-US" smtClean="0"/>
-              <a:t>12/26/21</a:t>
+              <a:t>2/4/22</a:t>
             </a:fld>
             <a:endParaRPr lang="en-US"/>
           </a:p>
@@ -2131,7 +2133,7 @@
           <a:p>
             <a:fld id="{D49AABF1-CDC8-B94F-9D7D-89A3319E6394}" type="datetimeFigureOut">
               <a:rPr lang="en-US" smtClean="0"/>
-              <a:t>12/26/21</a:t>
+              <a:t>2/4/22</a:t>
             </a:fld>
             <a:endParaRPr lang="en-US"/>
           </a:p>
@@ -2543,7 +2545,7 @@
           <a:p>
             <a:fld id="{D49AABF1-CDC8-B94F-9D7D-89A3319E6394}" type="datetimeFigureOut">
               <a:rPr lang="en-US" smtClean="0"/>
-              <a:t>12/26/21</a:t>
+              <a:t>2/4/22</a:t>
             </a:fld>
             <a:endParaRPr lang="en-US"/>
           </a:p>
@@ -2684,7 +2686,7 @@
           <a:p>
             <a:fld id="{D49AABF1-CDC8-B94F-9D7D-89A3319E6394}" type="datetimeFigureOut">
               <a:rPr lang="en-US" smtClean="0"/>
-              <a:t>12/26/21</a:t>
+              <a:t>2/4/22</a:t>
             </a:fld>
             <a:endParaRPr lang="en-US"/>
           </a:p>
@@ -2797,7 +2799,7 @@
           <a:p>
             <a:fld id="{D49AABF1-CDC8-B94F-9D7D-89A3319E6394}" type="datetimeFigureOut">
               <a:rPr lang="en-US" smtClean="0"/>
-              <a:t>12/26/21</a:t>
+              <a:t>2/4/22</a:t>
             </a:fld>
             <a:endParaRPr lang="en-US"/>
           </a:p>
@@ -3108,7 +3110,7 @@
           <a:p>
             <a:fld id="{D49AABF1-CDC8-B94F-9D7D-89A3319E6394}" type="datetimeFigureOut">
               <a:rPr lang="en-US" smtClean="0"/>
-              <a:t>12/26/21</a:t>
+              <a:t>2/4/22</a:t>
             </a:fld>
             <a:endParaRPr lang="en-US"/>
           </a:p>
@@ -3396,7 +3398,7 @@
           <a:p>
             <a:fld id="{D49AABF1-CDC8-B94F-9D7D-89A3319E6394}" type="datetimeFigureOut">
               <a:rPr lang="en-US" smtClean="0"/>
-              <a:t>12/26/21</a:t>
+              <a:t>2/4/22</a:t>
             </a:fld>
             <a:endParaRPr lang="en-US"/>
           </a:p>
@@ -3637,7 +3639,7 @@
           <a:p>
             <a:fld id="{D49AABF1-CDC8-B94F-9D7D-89A3319E6394}" type="datetimeFigureOut">
               <a:rPr lang="en-US" smtClean="0"/>
-              <a:t>12/26/21</a:t>
+              <a:t>2/4/22</a:t>
             </a:fld>
             <a:endParaRPr lang="en-US"/>
           </a:p>
@@ -7801,6 +7803,1668 @@
           <a:chExt cx="0" cy="0"/>
         </a:xfrm>
       </p:grpSpPr>
+      <p:graphicFrame>
+        <p:nvGraphicFramePr>
+          <p:cNvPr id="2" name="Table 2">
+            <a:extLst>
+              <a:ext uri="{FF2B5EF4-FFF2-40B4-BE49-F238E27FC236}">
+                <a16:creationId xmlns:a16="http://schemas.microsoft.com/office/drawing/2014/main" id="{0FA8B375-BBA9-3549-B1AE-9542E273BAC8}"/>
+              </a:ext>
+            </a:extLst>
+          </p:cNvPr>
+          <p:cNvGraphicFramePr>
+            <a:graphicFrameLocks noGrp="1"/>
+          </p:cNvGraphicFramePr>
+          <p:nvPr>
+            <p:extLst>
+              <p:ext uri="{D42A27DB-BD31-4B8C-83A1-F6EECF244321}">
+                <p14:modId xmlns:p14="http://schemas.microsoft.com/office/powerpoint/2010/main" val="853843419"/>
+              </p:ext>
+            </p:extLst>
+          </p:nvPr>
+        </p:nvGraphicFramePr>
+        <p:xfrm>
+          <a:off x="215144" y="1790828"/>
+          <a:ext cx="3321880" cy="2780394"/>
+        </p:xfrm>
+        <a:graphic>
+          <a:graphicData uri="http://schemas.openxmlformats.org/drawingml/2006/table">
+            <a:tbl>
+              <a:tblPr firstRow="1" bandRow="1">
+                <a:solidFill>
+                  <a:srgbClr val="9F87A8"/>
+                </a:solidFill>
+                <a:tableStyleId>{5C22544A-7EE6-4342-B048-85BDC9FD1C3A}</a:tableStyleId>
+              </a:tblPr>
+              <a:tblGrid>
+                <a:gridCol w="1660940">
+                  <a:extLst>
+                    <a:ext uri="{9D8B030D-6E8A-4147-A177-3AD203B41FA5}">
+                      <a16:colId xmlns:a16="http://schemas.microsoft.com/office/drawing/2014/main" val="3274054627"/>
+                    </a:ext>
+                  </a:extLst>
+                </a:gridCol>
+                <a:gridCol w="1660940">
+                  <a:extLst>
+                    <a:ext uri="{9D8B030D-6E8A-4147-A177-3AD203B41FA5}">
+                      <a16:colId xmlns:a16="http://schemas.microsoft.com/office/drawing/2014/main" val="903164890"/>
+                    </a:ext>
+                  </a:extLst>
+                </a:gridCol>
+              </a:tblGrid>
+              <a:tr h="463399">
+                <a:tc>
+                  <a:txBody>
+                    <a:bodyPr/>
+                    <a:lstStyle/>
+                    <a:p>
+                      <a:pPr algn="ctr"/>
+                      <a:r>
+                        <a:rPr lang="en-DE" sz="1100" dirty="0">
+                          <a:latin typeface="Red Hat Display" panose="02010303040201060303" pitchFamily="2" charset="0"/>
+                          <a:ea typeface="Red Hat Display" panose="02010303040201060303" pitchFamily="2" charset="0"/>
+                          <a:cs typeface="Red Hat Display" panose="02010303040201060303" pitchFamily="2" charset="0"/>
+                        </a:rPr>
+                        <a:t>Unique Identifier</a:t>
+                      </a:r>
+                    </a:p>
+                  </a:txBody>
+                  <a:tcPr anchor="ctr">
+                    <a:solidFill>
+                      <a:srgbClr val="360A4F"/>
+                    </a:solidFill>
+                  </a:tcPr>
+                </a:tc>
+                <a:tc>
+                  <a:txBody>
+                    <a:bodyPr/>
+                    <a:lstStyle/>
+                    <a:p>
+                      <a:pPr algn="ctr"/>
+                      <a:r>
+                        <a:rPr lang="en-DE" sz="1100" dirty="0">
+                          <a:latin typeface="Red Hat Display" panose="02010303040201060303" pitchFamily="2" charset="0"/>
+                          <a:ea typeface="Red Hat Display" panose="02010303040201060303" pitchFamily="2" charset="0"/>
+                          <a:cs typeface="Red Hat Display" panose="02010303040201060303" pitchFamily="2" charset="0"/>
+                        </a:rPr>
+                        <a:t>beds_total</a:t>
+                      </a:r>
+                    </a:p>
+                  </a:txBody>
+                  <a:tcPr anchor="ctr">
+                    <a:solidFill>
+                      <a:srgbClr val="360A4F"/>
+                    </a:solidFill>
+                  </a:tcPr>
+                </a:tc>
+                <a:extLst>
+                  <a:ext uri="{0D108BD9-81ED-4DB2-BD59-A6C34878D82A}">
+                    <a16:rowId xmlns:a16="http://schemas.microsoft.com/office/drawing/2014/main" val="875090878"/>
+                  </a:ext>
+                </a:extLst>
+              </a:tr>
+              <a:tr h="463399">
+                <a:tc>
+                  <a:txBody>
+                    <a:bodyPr/>
+                    <a:lstStyle/>
+                    <a:p>
+                      <a:pPr algn="ctr"/>
+                      <a:r>
+                        <a:rPr lang="en-DE" sz="1100" dirty="0">
+                          <a:latin typeface="Red Hat Display" panose="02010303040201060303" pitchFamily="2" charset="0"/>
+                          <a:ea typeface="Red Hat Display" panose="02010303040201060303" pitchFamily="2" charset="0"/>
+                          <a:cs typeface="Red Hat Display" panose="02010303040201060303" pitchFamily="2" charset="0"/>
+                        </a:rPr>
+                        <a:t>#112345</a:t>
+                      </a:r>
+                    </a:p>
+                  </a:txBody>
+                  <a:tcPr anchor="ctr">
+                    <a:solidFill>
+                      <a:schemeClr val="bg1">
+                        <a:lumMod val="95000"/>
+                      </a:schemeClr>
+                    </a:solidFill>
+                  </a:tcPr>
+                </a:tc>
+                <a:tc>
+                  <a:txBody>
+                    <a:bodyPr/>
+                    <a:lstStyle/>
+                    <a:p>
+                      <a:pPr marL="0" marR="0" lvl="0" indent="0" algn="ctr" defTabSz="914400" rtl="0" eaLnBrk="1" fontAlgn="auto" latinLnBrk="0" hangingPunct="1">
+                        <a:lnSpc>
+                          <a:spcPct val="100000"/>
+                        </a:lnSpc>
+                        <a:spcBef>
+                          <a:spcPts val="0"/>
+                        </a:spcBef>
+                        <a:spcAft>
+                          <a:spcPts val="0"/>
+                        </a:spcAft>
+                        <a:buClrTx/>
+                        <a:buSzTx/>
+                        <a:buFontTx/>
+                        <a:buNone/>
+                        <a:tabLst/>
+                        <a:defRPr/>
+                      </a:pPr>
+                      <a:r>
+                        <a:rPr lang="en-DE" sz="1100" dirty="0">
+                          <a:latin typeface="Red Hat Display" panose="02010303040201060303" pitchFamily="2" charset="0"/>
+                          <a:ea typeface="Red Hat Display" panose="02010303040201060303" pitchFamily="2" charset="0"/>
+                          <a:cs typeface="Red Hat Display" panose="02010303040201060303" pitchFamily="2" charset="0"/>
+                        </a:rPr>
+                        <a:t>beds_total_1</a:t>
+                      </a:r>
+                    </a:p>
+                  </a:txBody>
+                  <a:tcPr anchor="ctr">
+                    <a:solidFill>
+                      <a:schemeClr val="bg1">
+                        <a:lumMod val="95000"/>
+                      </a:schemeClr>
+                    </a:solidFill>
+                  </a:tcPr>
+                </a:tc>
+                <a:extLst>
+                  <a:ext uri="{0D108BD9-81ED-4DB2-BD59-A6C34878D82A}">
+                    <a16:rowId xmlns:a16="http://schemas.microsoft.com/office/drawing/2014/main" val="4144679151"/>
+                  </a:ext>
+                </a:extLst>
+              </a:tr>
+              <a:tr h="463399">
+                <a:tc>
+                  <a:txBody>
+                    <a:bodyPr/>
+                    <a:lstStyle/>
+                    <a:p>
+                      <a:pPr algn="ctr"/>
+                      <a:r>
+                        <a:rPr lang="en-DE" sz="1100" dirty="0">
+                          <a:latin typeface="Red Hat Display" panose="02010303040201060303" pitchFamily="2" charset="0"/>
+                          <a:ea typeface="Red Hat Display" panose="02010303040201060303" pitchFamily="2" charset="0"/>
+                          <a:cs typeface="Red Hat Display" panose="02010303040201060303" pitchFamily="2" charset="0"/>
+                        </a:rPr>
+                        <a:t>#22346</a:t>
+                      </a:r>
+                    </a:p>
+                  </a:txBody>
+                  <a:tcPr anchor="ctr">
+                    <a:solidFill>
+                      <a:schemeClr val="bg1">
+                        <a:lumMod val="95000"/>
+                      </a:schemeClr>
+                    </a:solidFill>
+                  </a:tcPr>
+                </a:tc>
+                <a:tc>
+                  <a:txBody>
+                    <a:bodyPr/>
+                    <a:lstStyle/>
+                    <a:p>
+                      <a:pPr marL="0" marR="0" lvl="0" indent="0" algn="ctr" defTabSz="914400" rtl="0" eaLnBrk="1" fontAlgn="auto" latinLnBrk="0" hangingPunct="1">
+                        <a:lnSpc>
+                          <a:spcPct val="100000"/>
+                        </a:lnSpc>
+                        <a:spcBef>
+                          <a:spcPts val="0"/>
+                        </a:spcBef>
+                        <a:spcAft>
+                          <a:spcPts val="0"/>
+                        </a:spcAft>
+                        <a:buClrTx/>
+                        <a:buSzTx/>
+                        <a:buFontTx/>
+                        <a:buNone/>
+                        <a:tabLst/>
+                        <a:defRPr/>
+                      </a:pPr>
+                      <a:r>
+                        <a:rPr lang="en-DE" sz="1100" dirty="0">
+                          <a:latin typeface="Red Hat Display" panose="02010303040201060303" pitchFamily="2" charset="0"/>
+                          <a:ea typeface="Red Hat Display" panose="02010303040201060303" pitchFamily="2" charset="0"/>
+                          <a:cs typeface="Red Hat Display" panose="02010303040201060303" pitchFamily="2" charset="0"/>
+                        </a:rPr>
+                        <a:t>beds_total_2</a:t>
+                      </a:r>
+                    </a:p>
+                  </a:txBody>
+                  <a:tcPr anchor="ctr">
+                    <a:solidFill>
+                      <a:schemeClr val="bg1">
+                        <a:lumMod val="95000"/>
+                      </a:schemeClr>
+                    </a:solidFill>
+                  </a:tcPr>
+                </a:tc>
+                <a:extLst>
+                  <a:ext uri="{0D108BD9-81ED-4DB2-BD59-A6C34878D82A}">
+                    <a16:rowId xmlns:a16="http://schemas.microsoft.com/office/drawing/2014/main" val="504320838"/>
+                  </a:ext>
+                </a:extLst>
+              </a:tr>
+              <a:tr h="463399">
+                <a:tc>
+                  <a:txBody>
+                    <a:bodyPr/>
+                    <a:lstStyle/>
+                    <a:p>
+                      <a:pPr algn="ctr"/>
+                      <a:r>
+                        <a:rPr lang="en-DE" sz="1100" dirty="0">
+                          <a:latin typeface="Red Hat Display" panose="02010303040201060303" pitchFamily="2" charset="0"/>
+                          <a:ea typeface="Red Hat Display" panose="02010303040201060303" pitchFamily="2" charset="0"/>
+                          <a:cs typeface="Red Hat Display" panose="02010303040201060303" pitchFamily="2" charset="0"/>
+                        </a:rPr>
+                        <a:t>#31452</a:t>
+                      </a:r>
+                    </a:p>
+                  </a:txBody>
+                  <a:tcPr anchor="ctr">
+                    <a:solidFill>
+                      <a:schemeClr val="bg1">
+                        <a:lumMod val="95000"/>
+                      </a:schemeClr>
+                    </a:solidFill>
+                  </a:tcPr>
+                </a:tc>
+                <a:tc>
+                  <a:txBody>
+                    <a:bodyPr/>
+                    <a:lstStyle/>
+                    <a:p>
+                      <a:pPr marL="0" marR="0" lvl="0" indent="0" algn="ctr" defTabSz="914400" rtl="0" eaLnBrk="1" fontAlgn="auto" latinLnBrk="0" hangingPunct="1">
+                        <a:lnSpc>
+                          <a:spcPct val="100000"/>
+                        </a:lnSpc>
+                        <a:spcBef>
+                          <a:spcPts val="0"/>
+                        </a:spcBef>
+                        <a:spcAft>
+                          <a:spcPts val="0"/>
+                        </a:spcAft>
+                        <a:buClrTx/>
+                        <a:buSzTx/>
+                        <a:buFontTx/>
+                        <a:buNone/>
+                        <a:tabLst/>
+                        <a:defRPr/>
+                      </a:pPr>
+                      <a:r>
+                        <a:rPr lang="en-DE" sz="1100" dirty="0">
+                          <a:latin typeface="Red Hat Display" panose="02010303040201060303" pitchFamily="2" charset="0"/>
+                          <a:ea typeface="Red Hat Display" panose="02010303040201060303" pitchFamily="2" charset="0"/>
+                          <a:cs typeface="Red Hat Display" panose="02010303040201060303" pitchFamily="2" charset="0"/>
+                        </a:rPr>
+                        <a:t>beds_total_3</a:t>
+                      </a:r>
+                    </a:p>
+                  </a:txBody>
+                  <a:tcPr anchor="ctr">
+                    <a:solidFill>
+                      <a:schemeClr val="bg1">
+                        <a:lumMod val="95000"/>
+                      </a:schemeClr>
+                    </a:solidFill>
+                  </a:tcPr>
+                </a:tc>
+                <a:extLst>
+                  <a:ext uri="{0D108BD9-81ED-4DB2-BD59-A6C34878D82A}">
+                    <a16:rowId xmlns:a16="http://schemas.microsoft.com/office/drawing/2014/main" val="524961558"/>
+                  </a:ext>
+                </a:extLst>
+              </a:tr>
+              <a:tr h="463399">
+                <a:tc>
+                  <a:txBody>
+                    <a:bodyPr/>
+                    <a:lstStyle/>
+                    <a:p>
+                      <a:pPr algn="ctr"/>
+                      <a:r>
+                        <a:rPr lang="en-DE" sz="1100" dirty="0">
+                          <a:latin typeface="Red Hat Display" panose="02010303040201060303" pitchFamily="2" charset="0"/>
+                          <a:ea typeface="Red Hat Display" panose="02010303040201060303" pitchFamily="2" charset="0"/>
+                          <a:cs typeface="Red Hat Display" panose="02010303040201060303" pitchFamily="2" charset="0"/>
+                        </a:rPr>
+                        <a:t>#49083</a:t>
+                      </a:r>
+                    </a:p>
+                  </a:txBody>
+                  <a:tcPr anchor="ctr">
+                    <a:solidFill>
+                      <a:schemeClr val="bg1">
+                        <a:lumMod val="95000"/>
+                      </a:schemeClr>
+                    </a:solidFill>
+                  </a:tcPr>
+                </a:tc>
+                <a:tc>
+                  <a:txBody>
+                    <a:bodyPr/>
+                    <a:lstStyle/>
+                    <a:p>
+                      <a:pPr marL="0" marR="0" lvl="0" indent="0" algn="ctr" defTabSz="914400" rtl="0" eaLnBrk="1" fontAlgn="auto" latinLnBrk="0" hangingPunct="1">
+                        <a:lnSpc>
+                          <a:spcPct val="100000"/>
+                        </a:lnSpc>
+                        <a:spcBef>
+                          <a:spcPts val="0"/>
+                        </a:spcBef>
+                        <a:spcAft>
+                          <a:spcPts val="0"/>
+                        </a:spcAft>
+                        <a:buClrTx/>
+                        <a:buSzTx/>
+                        <a:buFontTx/>
+                        <a:buNone/>
+                        <a:tabLst/>
+                        <a:defRPr/>
+                      </a:pPr>
+                      <a:r>
+                        <a:rPr lang="en-DE" sz="1100" dirty="0">
+                          <a:latin typeface="Red Hat Display" panose="02010303040201060303" pitchFamily="2" charset="0"/>
+                          <a:ea typeface="Red Hat Display" panose="02010303040201060303" pitchFamily="2" charset="0"/>
+                          <a:cs typeface="Red Hat Display" panose="02010303040201060303" pitchFamily="2" charset="0"/>
+                        </a:rPr>
+                        <a:t>beds_total_4</a:t>
+                      </a:r>
+                    </a:p>
+                  </a:txBody>
+                  <a:tcPr anchor="ctr">
+                    <a:solidFill>
+                      <a:schemeClr val="bg1">
+                        <a:lumMod val="95000"/>
+                      </a:schemeClr>
+                    </a:solidFill>
+                  </a:tcPr>
+                </a:tc>
+                <a:extLst>
+                  <a:ext uri="{0D108BD9-81ED-4DB2-BD59-A6C34878D82A}">
+                    <a16:rowId xmlns:a16="http://schemas.microsoft.com/office/drawing/2014/main" val="1382993310"/>
+                  </a:ext>
+                </a:extLst>
+              </a:tr>
+              <a:tr h="463399">
+                <a:tc>
+                  <a:txBody>
+                    <a:bodyPr/>
+                    <a:lstStyle/>
+                    <a:p>
+                      <a:pPr algn="ctr"/>
+                      <a:r>
+                        <a:rPr lang="en-DE" sz="1100" dirty="0">
+                          <a:latin typeface="Red Hat Display" panose="02010303040201060303" pitchFamily="2" charset="0"/>
+                          <a:ea typeface="Red Hat Display" panose="02010303040201060303" pitchFamily="2" charset="0"/>
+                          <a:cs typeface="Red Hat Display" panose="02010303040201060303" pitchFamily="2" charset="0"/>
+                        </a:rPr>
+                        <a:t>#59867</a:t>
+                      </a:r>
+                    </a:p>
+                  </a:txBody>
+                  <a:tcPr anchor="ctr">
+                    <a:solidFill>
+                      <a:schemeClr val="bg1">
+                        <a:lumMod val="95000"/>
+                      </a:schemeClr>
+                    </a:solidFill>
+                  </a:tcPr>
+                </a:tc>
+                <a:tc>
+                  <a:txBody>
+                    <a:bodyPr/>
+                    <a:lstStyle/>
+                    <a:p>
+                      <a:pPr marL="0" marR="0" lvl="0" indent="0" algn="ctr" defTabSz="914400" rtl="0" eaLnBrk="1" fontAlgn="auto" latinLnBrk="0" hangingPunct="1">
+                        <a:lnSpc>
+                          <a:spcPct val="100000"/>
+                        </a:lnSpc>
+                        <a:spcBef>
+                          <a:spcPts val="0"/>
+                        </a:spcBef>
+                        <a:spcAft>
+                          <a:spcPts val="0"/>
+                        </a:spcAft>
+                        <a:buClrTx/>
+                        <a:buSzTx/>
+                        <a:buFontTx/>
+                        <a:buNone/>
+                        <a:tabLst/>
+                        <a:defRPr/>
+                      </a:pPr>
+                      <a:r>
+                        <a:rPr lang="en-DE" sz="1100" dirty="0">
+                          <a:latin typeface="Red Hat Display" panose="02010303040201060303" pitchFamily="2" charset="0"/>
+                          <a:ea typeface="Red Hat Display" panose="02010303040201060303" pitchFamily="2" charset="0"/>
+                          <a:cs typeface="Red Hat Display" panose="02010303040201060303" pitchFamily="2" charset="0"/>
+                        </a:rPr>
+                        <a:t>beds_total_5</a:t>
+                      </a:r>
+                    </a:p>
+                  </a:txBody>
+                  <a:tcPr anchor="ctr">
+                    <a:solidFill>
+                      <a:schemeClr val="bg1">
+                        <a:lumMod val="95000"/>
+                      </a:schemeClr>
+                    </a:solidFill>
+                  </a:tcPr>
+                </a:tc>
+                <a:extLst>
+                  <a:ext uri="{0D108BD9-81ED-4DB2-BD59-A6C34878D82A}">
+                    <a16:rowId xmlns:a16="http://schemas.microsoft.com/office/drawing/2014/main" val="933799666"/>
+                  </a:ext>
+                </a:extLst>
+              </a:tr>
+            </a:tbl>
+          </a:graphicData>
+        </a:graphic>
+      </p:graphicFrame>
+      <p:graphicFrame>
+        <p:nvGraphicFramePr>
+          <p:cNvPr id="4" name="Table 4">
+            <a:extLst>
+              <a:ext uri="{FF2B5EF4-FFF2-40B4-BE49-F238E27FC236}">
+                <a16:creationId xmlns:a16="http://schemas.microsoft.com/office/drawing/2014/main" id="{4D7A53C4-883A-7846-9601-CACC49385DAB}"/>
+              </a:ext>
+            </a:extLst>
+          </p:cNvPr>
+          <p:cNvGraphicFramePr>
+            <a:graphicFrameLocks noGrp="1"/>
+          </p:cNvGraphicFramePr>
+          <p:nvPr>
+            <p:extLst>
+              <p:ext uri="{D42A27DB-BD31-4B8C-83A1-F6EECF244321}">
+                <p14:modId xmlns:p14="http://schemas.microsoft.com/office/powerpoint/2010/main" val="3655573410"/>
+              </p:ext>
+            </p:extLst>
+          </p:nvPr>
+        </p:nvGraphicFramePr>
+        <p:xfrm>
+          <a:off x="5572258" y="1790828"/>
+          <a:ext cx="6503832" cy="2690184"/>
+        </p:xfrm>
+        <a:graphic>
+          <a:graphicData uri="http://schemas.openxmlformats.org/drawingml/2006/table">
+            <a:tbl>
+              <a:tblPr firstRow="1" bandRow="1">
+                <a:tableStyleId>{5C22544A-7EE6-4342-B048-85BDC9FD1C3A}</a:tableStyleId>
+              </a:tblPr>
+              <a:tblGrid>
+                <a:gridCol w="1083972">
+                  <a:extLst>
+                    <a:ext uri="{9D8B030D-6E8A-4147-A177-3AD203B41FA5}">
+                      <a16:colId xmlns:a16="http://schemas.microsoft.com/office/drawing/2014/main" val="3181071863"/>
+                    </a:ext>
+                  </a:extLst>
+                </a:gridCol>
+                <a:gridCol w="1083972">
+                  <a:extLst>
+                    <a:ext uri="{9D8B030D-6E8A-4147-A177-3AD203B41FA5}">
+                      <a16:colId xmlns:a16="http://schemas.microsoft.com/office/drawing/2014/main" val="1175366356"/>
+                    </a:ext>
+                  </a:extLst>
+                </a:gridCol>
+                <a:gridCol w="1083972">
+                  <a:extLst>
+                    <a:ext uri="{9D8B030D-6E8A-4147-A177-3AD203B41FA5}">
+                      <a16:colId xmlns:a16="http://schemas.microsoft.com/office/drawing/2014/main" val="2910049711"/>
+                    </a:ext>
+                  </a:extLst>
+                </a:gridCol>
+                <a:gridCol w="1083972">
+                  <a:extLst>
+                    <a:ext uri="{9D8B030D-6E8A-4147-A177-3AD203B41FA5}">
+                      <a16:colId xmlns:a16="http://schemas.microsoft.com/office/drawing/2014/main" val="3308650883"/>
+                    </a:ext>
+                  </a:extLst>
+                </a:gridCol>
+                <a:gridCol w="1083972">
+                  <a:extLst>
+                    <a:ext uri="{9D8B030D-6E8A-4147-A177-3AD203B41FA5}">
+                      <a16:colId xmlns:a16="http://schemas.microsoft.com/office/drawing/2014/main" val="1576593221"/>
+                    </a:ext>
+                  </a:extLst>
+                </a:gridCol>
+                <a:gridCol w="1083972">
+                  <a:extLst>
+                    <a:ext uri="{9D8B030D-6E8A-4147-A177-3AD203B41FA5}">
+                      <a16:colId xmlns:a16="http://schemas.microsoft.com/office/drawing/2014/main" val="866405761"/>
+                    </a:ext>
+                  </a:extLst>
+                </a:gridCol>
+              </a:tblGrid>
+              <a:tr h="448364">
+                <a:tc>
+                  <a:txBody>
+                    <a:bodyPr/>
+                    <a:lstStyle/>
+                    <a:p>
+                      <a:pPr marL="0" marR="0" lvl="0" indent="0" algn="ctr" defTabSz="914400" rtl="0" eaLnBrk="1" fontAlgn="auto" latinLnBrk="0" hangingPunct="1">
+                        <a:lnSpc>
+                          <a:spcPct val="100000"/>
+                        </a:lnSpc>
+                        <a:spcBef>
+                          <a:spcPts val="0"/>
+                        </a:spcBef>
+                        <a:spcAft>
+                          <a:spcPts val="0"/>
+                        </a:spcAft>
+                        <a:buClrTx/>
+                        <a:buSzTx/>
+                        <a:buFontTx/>
+                        <a:buNone/>
+                        <a:tabLst/>
+                        <a:defRPr/>
+                      </a:pPr>
+                      <a:r>
+                        <a:rPr lang="en-DE" sz="1100" b="1" kern="1200" dirty="0">
+                          <a:solidFill>
+                            <a:schemeClr val="lt1"/>
+                          </a:solidFill>
+                          <a:latin typeface="Red Hat Display" panose="02010303040201060303" pitchFamily="2" charset="0"/>
+                          <a:ea typeface="Red Hat Display" panose="02010303040201060303" pitchFamily="2" charset="0"/>
+                          <a:cs typeface="Red Hat Display" panose="02010303040201060303" pitchFamily="2" charset="0"/>
+                        </a:rPr>
+                        <a:t>Unique Identifier</a:t>
+                      </a:r>
+                    </a:p>
+                  </a:txBody>
+                  <a:tcPr anchor="ctr">
+                    <a:solidFill>
+                      <a:srgbClr val="360A4F"/>
+                    </a:solidFill>
+                  </a:tcPr>
+                </a:tc>
+                <a:tc>
+                  <a:txBody>
+                    <a:bodyPr/>
+                    <a:lstStyle/>
+                    <a:p>
+                      <a:pPr marL="0" marR="0" lvl="0" indent="0" algn="ctr" defTabSz="914400" rtl="0" eaLnBrk="1" fontAlgn="auto" latinLnBrk="0" hangingPunct="1">
+                        <a:lnSpc>
+                          <a:spcPct val="100000"/>
+                        </a:lnSpc>
+                        <a:spcBef>
+                          <a:spcPts val="0"/>
+                        </a:spcBef>
+                        <a:spcAft>
+                          <a:spcPts val="0"/>
+                        </a:spcAft>
+                        <a:buClrTx/>
+                        <a:buSzTx/>
+                        <a:buFontTx/>
+                        <a:buNone/>
+                        <a:tabLst/>
+                        <a:defRPr/>
+                      </a:pPr>
+                      <a:r>
+                        <a:rPr lang="en-DE" sz="1100" b="1" kern="1200" dirty="0">
+                          <a:solidFill>
+                            <a:schemeClr val="lt1"/>
+                          </a:solidFill>
+                          <a:latin typeface="Red Hat Display" panose="02010303040201060303" pitchFamily="2" charset="0"/>
+                          <a:ea typeface="Red Hat Display" panose="02010303040201060303" pitchFamily="2" charset="0"/>
+                          <a:cs typeface="Red Hat Display" panose="02010303040201060303" pitchFamily="2" charset="0"/>
+                        </a:rPr>
+                        <a:t>beds_total_1</a:t>
+                      </a:r>
+                    </a:p>
+                  </a:txBody>
+                  <a:tcPr anchor="ctr">
+                    <a:solidFill>
+                      <a:srgbClr val="360A4F"/>
+                    </a:solidFill>
+                  </a:tcPr>
+                </a:tc>
+                <a:tc>
+                  <a:txBody>
+                    <a:bodyPr/>
+                    <a:lstStyle/>
+                    <a:p>
+                      <a:pPr marL="0" marR="0" lvl="0" indent="0" algn="ctr" defTabSz="914400" rtl="0" eaLnBrk="1" fontAlgn="auto" latinLnBrk="0" hangingPunct="1">
+                        <a:lnSpc>
+                          <a:spcPct val="100000"/>
+                        </a:lnSpc>
+                        <a:spcBef>
+                          <a:spcPts val="0"/>
+                        </a:spcBef>
+                        <a:spcAft>
+                          <a:spcPts val="0"/>
+                        </a:spcAft>
+                        <a:buClrTx/>
+                        <a:buSzTx/>
+                        <a:buFontTx/>
+                        <a:buNone/>
+                        <a:tabLst/>
+                        <a:defRPr/>
+                      </a:pPr>
+                      <a:r>
+                        <a:rPr lang="en-DE" sz="1100" b="1" kern="1200" dirty="0">
+                          <a:solidFill>
+                            <a:schemeClr val="lt1"/>
+                          </a:solidFill>
+                          <a:latin typeface="Red Hat Display" panose="02010303040201060303" pitchFamily="2" charset="0"/>
+                          <a:ea typeface="Red Hat Display" panose="02010303040201060303" pitchFamily="2" charset="0"/>
+                          <a:cs typeface="Red Hat Display" panose="02010303040201060303" pitchFamily="2" charset="0"/>
+                        </a:rPr>
+                        <a:t>beds_total_2</a:t>
+                      </a:r>
+                    </a:p>
+                  </a:txBody>
+                  <a:tcPr anchor="ctr">
+                    <a:solidFill>
+                      <a:srgbClr val="360A4F"/>
+                    </a:solidFill>
+                  </a:tcPr>
+                </a:tc>
+                <a:tc>
+                  <a:txBody>
+                    <a:bodyPr/>
+                    <a:lstStyle/>
+                    <a:p>
+                      <a:pPr marL="0" marR="0" lvl="0" indent="0" algn="ctr" defTabSz="914400" rtl="0" eaLnBrk="1" fontAlgn="auto" latinLnBrk="0" hangingPunct="1">
+                        <a:lnSpc>
+                          <a:spcPct val="100000"/>
+                        </a:lnSpc>
+                        <a:spcBef>
+                          <a:spcPts val="0"/>
+                        </a:spcBef>
+                        <a:spcAft>
+                          <a:spcPts val="0"/>
+                        </a:spcAft>
+                        <a:buClrTx/>
+                        <a:buSzTx/>
+                        <a:buFontTx/>
+                        <a:buNone/>
+                        <a:tabLst/>
+                        <a:defRPr/>
+                      </a:pPr>
+                      <a:r>
+                        <a:rPr lang="en-DE" sz="1100" b="1" kern="1200" dirty="0">
+                          <a:solidFill>
+                            <a:schemeClr val="lt1"/>
+                          </a:solidFill>
+                          <a:latin typeface="Red Hat Display" panose="02010303040201060303" pitchFamily="2" charset="0"/>
+                          <a:ea typeface="Red Hat Display" panose="02010303040201060303" pitchFamily="2" charset="0"/>
+                          <a:cs typeface="Red Hat Display" panose="02010303040201060303" pitchFamily="2" charset="0"/>
+                        </a:rPr>
+                        <a:t>beds_total_3</a:t>
+                      </a:r>
+                    </a:p>
+                  </a:txBody>
+                  <a:tcPr anchor="ctr">
+                    <a:solidFill>
+                      <a:srgbClr val="360A4F"/>
+                    </a:solidFill>
+                  </a:tcPr>
+                </a:tc>
+                <a:tc>
+                  <a:txBody>
+                    <a:bodyPr/>
+                    <a:lstStyle/>
+                    <a:p>
+                      <a:pPr marL="0" marR="0" lvl="0" indent="0" algn="ctr" defTabSz="914400" rtl="0" eaLnBrk="1" fontAlgn="auto" latinLnBrk="0" hangingPunct="1">
+                        <a:lnSpc>
+                          <a:spcPct val="100000"/>
+                        </a:lnSpc>
+                        <a:spcBef>
+                          <a:spcPts val="0"/>
+                        </a:spcBef>
+                        <a:spcAft>
+                          <a:spcPts val="0"/>
+                        </a:spcAft>
+                        <a:buClrTx/>
+                        <a:buSzTx/>
+                        <a:buFontTx/>
+                        <a:buNone/>
+                        <a:tabLst/>
+                        <a:defRPr/>
+                      </a:pPr>
+                      <a:r>
+                        <a:rPr lang="en-DE" sz="1100" b="1" kern="1200" dirty="0">
+                          <a:solidFill>
+                            <a:schemeClr val="lt1"/>
+                          </a:solidFill>
+                          <a:latin typeface="Red Hat Display" panose="02010303040201060303" pitchFamily="2" charset="0"/>
+                          <a:ea typeface="Red Hat Display" panose="02010303040201060303" pitchFamily="2" charset="0"/>
+                          <a:cs typeface="Red Hat Display" panose="02010303040201060303" pitchFamily="2" charset="0"/>
+                        </a:rPr>
+                        <a:t>beds_total_4</a:t>
+                      </a:r>
+                    </a:p>
+                  </a:txBody>
+                  <a:tcPr anchor="ctr">
+                    <a:solidFill>
+                      <a:srgbClr val="360A4F"/>
+                    </a:solidFill>
+                  </a:tcPr>
+                </a:tc>
+                <a:tc>
+                  <a:txBody>
+                    <a:bodyPr/>
+                    <a:lstStyle/>
+                    <a:p>
+                      <a:pPr marL="0" marR="0" lvl="0" indent="0" algn="ctr" defTabSz="914400" rtl="0" eaLnBrk="1" fontAlgn="auto" latinLnBrk="0" hangingPunct="1">
+                        <a:lnSpc>
+                          <a:spcPct val="100000"/>
+                        </a:lnSpc>
+                        <a:spcBef>
+                          <a:spcPts val="0"/>
+                        </a:spcBef>
+                        <a:spcAft>
+                          <a:spcPts val="0"/>
+                        </a:spcAft>
+                        <a:buClrTx/>
+                        <a:buSzTx/>
+                        <a:buFontTx/>
+                        <a:buNone/>
+                        <a:tabLst/>
+                        <a:defRPr/>
+                      </a:pPr>
+                      <a:r>
+                        <a:rPr lang="en-DE" sz="1100" b="1" kern="1200" dirty="0">
+                          <a:solidFill>
+                            <a:schemeClr val="lt1"/>
+                          </a:solidFill>
+                          <a:latin typeface="Red Hat Display" panose="02010303040201060303" pitchFamily="2" charset="0"/>
+                          <a:ea typeface="Red Hat Display" panose="02010303040201060303" pitchFamily="2" charset="0"/>
+                          <a:cs typeface="Red Hat Display" panose="02010303040201060303" pitchFamily="2" charset="0"/>
+                        </a:rPr>
+                        <a:t>beds_total_5</a:t>
+                      </a:r>
+                    </a:p>
+                  </a:txBody>
+                  <a:tcPr anchor="ctr">
+                    <a:solidFill>
+                      <a:srgbClr val="360A4F"/>
+                    </a:solidFill>
+                  </a:tcPr>
+                </a:tc>
+                <a:extLst>
+                  <a:ext uri="{0D108BD9-81ED-4DB2-BD59-A6C34878D82A}">
+                    <a16:rowId xmlns:a16="http://schemas.microsoft.com/office/drawing/2014/main" val="2968741091"/>
+                  </a:ext>
+                </a:extLst>
+              </a:tr>
+              <a:tr h="448364">
+                <a:tc>
+                  <a:txBody>
+                    <a:bodyPr/>
+                    <a:lstStyle/>
+                    <a:p>
+                      <a:pPr algn="ctr"/>
+                      <a:r>
+                        <a:rPr lang="en-DE" sz="1100" dirty="0">
+                          <a:latin typeface="Red Hat Display" panose="02010303040201060303" pitchFamily="2" charset="0"/>
+                          <a:ea typeface="Red Hat Display" panose="02010303040201060303" pitchFamily="2" charset="0"/>
+                          <a:cs typeface="Red Hat Display" panose="02010303040201060303" pitchFamily="2" charset="0"/>
+                        </a:rPr>
+                        <a:t>#112345</a:t>
+                      </a:r>
+                    </a:p>
+                  </a:txBody>
+                  <a:tcPr anchor="ctr">
+                    <a:solidFill>
+                      <a:schemeClr val="bg1">
+                        <a:lumMod val="95000"/>
+                      </a:schemeClr>
+                    </a:solidFill>
+                  </a:tcPr>
+                </a:tc>
+                <a:tc>
+                  <a:txBody>
+                    <a:bodyPr/>
+                    <a:lstStyle/>
+                    <a:p>
+                      <a:pPr algn="ctr"/>
+                      <a:r>
+                        <a:rPr lang="en-DE" sz="1100" dirty="0">
+                          <a:latin typeface="Red Hat Display" panose="02010303040201060303" pitchFamily="2" charset="0"/>
+                          <a:ea typeface="Red Hat Display" panose="02010303040201060303" pitchFamily="2" charset="0"/>
+                          <a:cs typeface="Red Hat Display" panose="02010303040201060303" pitchFamily="2" charset="0"/>
+                        </a:rPr>
+                        <a:t>1</a:t>
+                      </a:r>
+                    </a:p>
+                  </a:txBody>
+                  <a:tcPr anchor="ctr">
+                    <a:solidFill>
+                      <a:schemeClr val="bg1">
+                        <a:lumMod val="95000"/>
+                      </a:schemeClr>
+                    </a:solidFill>
+                  </a:tcPr>
+                </a:tc>
+                <a:tc>
+                  <a:txBody>
+                    <a:bodyPr/>
+                    <a:lstStyle/>
+                    <a:p>
+                      <a:pPr algn="ctr"/>
+                      <a:r>
+                        <a:rPr lang="en-DE" sz="1100" dirty="0">
+                          <a:latin typeface="Red Hat Display" panose="02010303040201060303" pitchFamily="2" charset="0"/>
+                          <a:ea typeface="Red Hat Display" panose="02010303040201060303" pitchFamily="2" charset="0"/>
+                          <a:cs typeface="Red Hat Display" panose="02010303040201060303" pitchFamily="2" charset="0"/>
+                        </a:rPr>
+                        <a:t>0</a:t>
+                      </a:r>
+                    </a:p>
+                  </a:txBody>
+                  <a:tcPr anchor="ctr">
+                    <a:solidFill>
+                      <a:schemeClr val="bg1">
+                        <a:lumMod val="95000"/>
+                      </a:schemeClr>
+                    </a:solidFill>
+                  </a:tcPr>
+                </a:tc>
+                <a:tc>
+                  <a:txBody>
+                    <a:bodyPr/>
+                    <a:lstStyle/>
+                    <a:p>
+                      <a:pPr algn="ctr"/>
+                      <a:r>
+                        <a:rPr lang="en-DE" sz="1100" dirty="0">
+                          <a:latin typeface="Red Hat Display" panose="02010303040201060303" pitchFamily="2" charset="0"/>
+                          <a:ea typeface="Red Hat Display" panose="02010303040201060303" pitchFamily="2" charset="0"/>
+                          <a:cs typeface="Red Hat Display" panose="02010303040201060303" pitchFamily="2" charset="0"/>
+                        </a:rPr>
+                        <a:t>0</a:t>
+                      </a:r>
+                    </a:p>
+                  </a:txBody>
+                  <a:tcPr anchor="ctr">
+                    <a:solidFill>
+                      <a:schemeClr val="bg1">
+                        <a:lumMod val="95000"/>
+                      </a:schemeClr>
+                    </a:solidFill>
+                  </a:tcPr>
+                </a:tc>
+                <a:tc>
+                  <a:txBody>
+                    <a:bodyPr/>
+                    <a:lstStyle/>
+                    <a:p>
+                      <a:pPr algn="ctr"/>
+                      <a:r>
+                        <a:rPr lang="en-DE" sz="1100" dirty="0">
+                          <a:latin typeface="Red Hat Display" panose="02010303040201060303" pitchFamily="2" charset="0"/>
+                          <a:ea typeface="Red Hat Display" panose="02010303040201060303" pitchFamily="2" charset="0"/>
+                          <a:cs typeface="Red Hat Display" panose="02010303040201060303" pitchFamily="2" charset="0"/>
+                        </a:rPr>
+                        <a:t>0</a:t>
+                      </a:r>
+                    </a:p>
+                  </a:txBody>
+                  <a:tcPr anchor="ctr">
+                    <a:solidFill>
+                      <a:schemeClr val="bg1">
+                        <a:lumMod val="95000"/>
+                      </a:schemeClr>
+                    </a:solidFill>
+                  </a:tcPr>
+                </a:tc>
+                <a:tc>
+                  <a:txBody>
+                    <a:bodyPr/>
+                    <a:lstStyle/>
+                    <a:p>
+                      <a:pPr algn="ctr"/>
+                      <a:r>
+                        <a:rPr lang="en-DE" sz="1100" dirty="0">
+                          <a:latin typeface="Red Hat Display" panose="02010303040201060303" pitchFamily="2" charset="0"/>
+                          <a:ea typeface="Red Hat Display" panose="02010303040201060303" pitchFamily="2" charset="0"/>
+                          <a:cs typeface="Red Hat Display" panose="02010303040201060303" pitchFamily="2" charset="0"/>
+                        </a:rPr>
+                        <a:t>0</a:t>
+                      </a:r>
+                    </a:p>
+                  </a:txBody>
+                  <a:tcPr anchor="ctr">
+                    <a:solidFill>
+                      <a:schemeClr val="bg1">
+                        <a:lumMod val="95000"/>
+                      </a:schemeClr>
+                    </a:solidFill>
+                  </a:tcPr>
+                </a:tc>
+                <a:extLst>
+                  <a:ext uri="{0D108BD9-81ED-4DB2-BD59-A6C34878D82A}">
+                    <a16:rowId xmlns:a16="http://schemas.microsoft.com/office/drawing/2014/main" val="3540763002"/>
+                  </a:ext>
+                </a:extLst>
+              </a:tr>
+              <a:tr h="448364">
+                <a:tc>
+                  <a:txBody>
+                    <a:bodyPr/>
+                    <a:lstStyle/>
+                    <a:p>
+                      <a:pPr algn="ctr"/>
+                      <a:r>
+                        <a:rPr lang="en-DE" sz="1100" dirty="0">
+                          <a:latin typeface="Red Hat Display" panose="02010303040201060303" pitchFamily="2" charset="0"/>
+                          <a:ea typeface="Red Hat Display" panose="02010303040201060303" pitchFamily="2" charset="0"/>
+                          <a:cs typeface="Red Hat Display" panose="02010303040201060303" pitchFamily="2" charset="0"/>
+                        </a:rPr>
+                        <a:t>#22346</a:t>
+                      </a:r>
+                    </a:p>
+                  </a:txBody>
+                  <a:tcPr anchor="ctr">
+                    <a:solidFill>
+                      <a:schemeClr val="bg1">
+                        <a:lumMod val="95000"/>
+                      </a:schemeClr>
+                    </a:solidFill>
+                  </a:tcPr>
+                </a:tc>
+                <a:tc>
+                  <a:txBody>
+                    <a:bodyPr/>
+                    <a:lstStyle/>
+                    <a:p>
+                      <a:pPr algn="ctr"/>
+                      <a:r>
+                        <a:rPr lang="en-DE" sz="1100" dirty="0">
+                          <a:latin typeface="Red Hat Display" panose="02010303040201060303" pitchFamily="2" charset="0"/>
+                          <a:ea typeface="Red Hat Display" panose="02010303040201060303" pitchFamily="2" charset="0"/>
+                          <a:cs typeface="Red Hat Display" panose="02010303040201060303" pitchFamily="2" charset="0"/>
+                        </a:rPr>
+                        <a:t>0</a:t>
+                      </a:r>
+                    </a:p>
+                  </a:txBody>
+                  <a:tcPr anchor="ctr">
+                    <a:solidFill>
+                      <a:schemeClr val="bg1">
+                        <a:lumMod val="95000"/>
+                      </a:schemeClr>
+                    </a:solidFill>
+                  </a:tcPr>
+                </a:tc>
+                <a:tc>
+                  <a:txBody>
+                    <a:bodyPr/>
+                    <a:lstStyle/>
+                    <a:p>
+                      <a:pPr algn="ctr"/>
+                      <a:r>
+                        <a:rPr lang="en-DE" sz="1100" dirty="0">
+                          <a:latin typeface="Red Hat Display" panose="02010303040201060303" pitchFamily="2" charset="0"/>
+                          <a:ea typeface="Red Hat Display" panose="02010303040201060303" pitchFamily="2" charset="0"/>
+                          <a:cs typeface="Red Hat Display" panose="02010303040201060303" pitchFamily="2" charset="0"/>
+                        </a:rPr>
+                        <a:t>1</a:t>
+                      </a:r>
+                    </a:p>
+                  </a:txBody>
+                  <a:tcPr anchor="ctr">
+                    <a:solidFill>
+                      <a:schemeClr val="bg1">
+                        <a:lumMod val="95000"/>
+                      </a:schemeClr>
+                    </a:solidFill>
+                  </a:tcPr>
+                </a:tc>
+                <a:tc>
+                  <a:txBody>
+                    <a:bodyPr/>
+                    <a:lstStyle/>
+                    <a:p>
+                      <a:pPr algn="ctr"/>
+                      <a:r>
+                        <a:rPr lang="en-DE" sz="1100" dirty="0">
+                          <a:latin typeface="Red Hat Display" panose="02010303040201060303" pitchFamily="2" charset="0"/>
+                          <a:ea typeface="Red Hat Display" panose="02010303040201060303" pitchFamily="2" charset="0"/>
+                          <a:cs typeface="Red Hat Display" panose="02010303040201060303" pitchFamily="2" charset="0"/>
+                        </a:rPr>
+                        <a:t>0</a:t>
+                      </a:r>
+                    </a:p>
+                  </a:txBody>
+                  <a:tcPr anchor="ctr">
+                    <a:solidFill>
+                      <a:schemeClr val="bg1">
+                        <a:lumMod val="95000"/>
+                      </a:schemeClr>
+                    </a:solidFill>
+                  </a:tcPr>
+                </a:tc>
+                <a:tc>
+                  <a:txBody>
+                    <a:bodyPr/>
+                    <a:lstStyle/>
+                    <a:p>
+                      <a:pPr algn="ctr"/>
+                      <a:r>
+                        <a:rPr lang="en-DE" sz="1100" dirty="0">
+                          <a:latin typeface="Red Hat Display" panose="02010303040201060303" pitchFamily="2" charset="0"/>
+                          <a:ea typeface="Red Hat Display" panose="02010303040201060303" pitchFamily="2" charset="0"/>
+                          <a:cs typeface="Red Hat Display" panose="02010303040201060303" pitchFamily="2" charset="0"/>
+                        </a:rPr>
+                        <a:t>0</a:t>
+                      </a:r>
+                    </a:p>
+                  </a:txBody>
+                  <a:tcPr anchor="ctr">
+                    <a:solidFill>
+                      <a:schemeClr val="bg1">
+                        <a:lumMod val="95000"/>
+                      </a:schemeClr>
+                    </a:solidFill>
+                  </a:tcPr>
+                </a:tc>
+                <a:tc>
+                  <a:txBody>
+                    <a:bodyPr/>
+                    <a:lstStyle/>
+                    <a:p>
+                      <a:pPr algn="ctr"/>
+                      <a:r>
+                        <a:rPr lang="en-DE" sz="1100" dirty="0">
+                          <a:latin typeface="Red Hat Display" panose="02010303040201060303" pitchFamily="2" charset="0"/>
+                          <a:ea typeface="Red Hat Display" panose="02010303040201060303" pitchFamily="2" charset="0"/>
+                          <a:cs typeface="Red Hat Display" panose="02010303040201060303" pitchFamily="2" charset="0"/>
+                        </a:rPr>
+                        <a:t>0</a:t>
+                      </a:r>
+                    </a:p>
+                  </a:txBody>
+                  <a:tcPr anchor="ctr">
+                    <a:solidFill>
+                      <a:schemeClr val="bg1">
+                        <a:lumMod val="95000"/>
+                      </a:schemeClr>
+                    </a:solidFill>
+                  </a:tcPr>
+                </a:tc>
+                <a:extLst>
+                  <a:ext uri="{0D108BD9-81ED-4DB2-BD59-A6C34878D82A}">
+                    <a16:rowId xmlns:a16="http://schemas.microsoft.com/office/drawing/2014/main" val="1282861398"/>
+                  </a:ext>
+                </a:extLst>
+              </a:tr>
+              <a:tr h="448364">
+                <a:tc>
+                  <a:txBody>
+                    <a:bodyPr/>
+                    <a:lstStyle/>
+                    <a:p>
+                      <a:pPr algn="ctr"/>
+                      <a:r>
+                        <a:rPr lang="en-DE" sz="1100" dirty="0">
+                          <a:latin typeface="Red Hat Display" panose="02010303040201060303" pitchFamily="2" charset="0"/>
+                          <a:ea typeface="Red Hat Display" panose="02010303040201060303" pitchFamily="2" charset="0"/>
+                          <a:cs typeface="Red Hat Display" panose="02010303040201060303" pitchFamily="2" charset="0"/>
+                        </a:rPr>
+                        <a:t>#31452</a:t>
+                      </a:r>
+                    </a:p>
+                  </a:txBody>
+                  <a:tcPr anchor="ctr">
+                    <a:solidFill>
+                      <a:schemeClr val="bg1">
+                        <a:lumMod val="95000"/>
+                      </a:schemeClr>
+                    </a:solidFill>
+                  </a:tcPr>
+                </a:tc>
+                <a:tc>
+                  <a:txBody>
+                    <a:bodyPr/>
+                    <a:lstStyle/>
+                    <a:p>
+                      <a:pPr algn="ctr"/>
+                      <a:r>
+                        <a:rPr lang="en-DE" sz="1100" dirty="0">
+                          <a:latin typeface="Red Hat Display" panose="02010303040201060303" pitchFamily="2" charset="0"/>
+                          <a:ea typeface="Red Hat Display" panose="02010303040201060303" pitchFamily="2" charset="0"/>
+                          <a:cs typeface="Red Hat Display" panose="02010303040201060303" pitchFamily="2" charset="0"/>
+                        </a:rPr>
+                        <a:t>0</a:t>
+                      </a:r>
+                    </a:p>
+                  </a:txBody>
+                  <a:tcPr anchor="ctr">
+                    <a:solidFill>
+                      <a:schemeClr val="bg1">
+                        <a:lumMod val="95000"/>
+                      </a:schemeClr>
+                    </a:solidFill>
+                  </a:tcPr>
+                </a:tc>
+                <a:tc>
+                  <a:txBody>
+                    <a:bodyPr/>
+                    <a:lstStyle/>
+                    <a:p>
+                      <a:pPr algn="ctr"/>
+                      <a:r>
+                        <a:rPr lang="en-DE" sz="1100" dirty="0">
+                          <a:latin typeface="Red Hat Display" panose="02010303040201060303" pitchFamily="2" charset="0"/>
+                          <a:ea typeface="Red Hat Display" panose="02010303040201060303" pitchFamily="2" charset="0"/>
+                          <a:cs typeface="Red Hat Display" panose="02010303040201060303" pitchFamily="2" charset="0"/>
+                        </a:rPr>
+                        <a:t>0</a:t>
+                      </a:r>
+                    </a:p>
+                  </a:txBody>
+                  <a:tcPr anchor="ctr">
+                    <a:solidFill>
+                      <a:schemeClr val="bg1">
+                        <a:lumMod val="95000"/>
+                      </a:schemeClr>
+                    </a:solidFill>
+                  </a:tcPr>
+                </a:tc>
+                <a:tc>
+                  <a:txBody>
+                    <a:bodyPr/>
+                    <a:lstStyle/>
+                    <a:p>
+                      <a:pPr algn="ctr"/>
+                      <a:r>
+                        <a:rPr lang="en-DE" sz="1100" dirty="0">
+                          <a:latin typeface="Red Hat Display" panose="02010303040201060303" pitchFamily="2" charset="0"/>
+                          <a:ea typeface="Red Hat Display" panose="02010303040201060303" pitchFamily="2" charset="0"/>
+                          <a:cs typeface="Red Hat Display" panose="02010303040201060303" pitchFamily="2" charset="0"/>
+                        </a:rPr>
+                        <a:t>1</a:t>
+                      </a:r>
+                    </a:p>
+                  </a:txBody>
+                  <a:tcPr anchor="ctr">
+                    <a:solidFill>
+                      <a:schemeClr val="bg1">
+                        <a:lumMod val="95000"/>
+                      </a:schemeClr>
+                    </a:solidFill>
+                  </a:tcPr>
+                </a:tc>
+                <a:tc>
+                  <a:txBody>
+                    <a:bodyPr/>
+                    <a:lstStyle/>
+                    <a:p>
+                      <a:pPr algn="ctr"/>
+                      <a:r>
+                        <a:rPr lang="en-DE" sz="1100" dirty="0">
+                          <a:latin typeface="Red Hat Display" panose="02010303040201060303" pitchFamily="2" charset="0"/>
+                          <a:ea typeface="Red Hat Display" panose="02010303040201060303" pitchFamily="2" charset="0"/>
+                          <a:cs typeface="Red Hat Display" panose="02010303040201060303" pitchFamily="2" charset="0"/>
+                        </a:rPr>
+                        <a:t>0</a:t>
+                      </a:r>
+                    </a:p>
+                  </a:txBody>
+                  <a:tcPr anchor="ctr">
+                    <a:solidFill>
+                      <a:schemeClr val="bg1">
+                        <a:lumMod val="95000"/>
+                      </a:schemeClr>
+                    </a:solidFill>
+                  </a:tcPr>
+                </a:tc>
+                <a:tc>
+                  <a:txBody>
+                    <a:bodyPr/>
+                    <a:lstStyle/>
+                    <a:p>
+                      <a:pPr algn="ctr"/>
+                      <a:r>
+                        <a:rPr lang="en-DE" sz="1100" dirty="0">
+                          <a:latin typeface="Red Hat Display" panose="02010303040201060303" pitchFamily="2" charset="0"/>
+                          <a:ea typeface="Red Hat Display" panose="02010303040201060303" pitchFamily="2" charset="0"/>
+                          <a:cs typeface="Red Hat Display" panose="02010303040201060303" pitchFamily="2" charset="0"/>
+                        </a:rPr>
+                        <a:t>0</a:t>
+                      </a:r>
+                    </a:p>
+                  </a:txBody>
+                  <a:tcPr anchor="ctr">
+                    <a:solidFill>
+                      <a:schemeClr val="bg1">
+                        <a:lumMod val="95000"/>
+                      </a:schemeClr>
+                    </a:solidFill>
+                  </a:tcPr>
+                </a:tc>
+                <a:extLst>
+                  <a:ext uri="{0D108BD9-81ED-4DB2-BD59-A6C34878D82A}">
+                    <a16:rowId xmlns:a16="http://schemas.microsoft.com/office/drawing/2014/main" val="2866211553"/>
+                  </a:ext>
+                </a:extLst>
+              </a:tr>
+              <a:tr h="448364">
+                <a:tc>
+                  <a:txBody>
+                    <a:bodyPr/>
+                    <a:lstStyle/>
+                    <a:p>
+                      <a:pPr algn="ctr"/>
+                      <a:r>
+                        <a:rPr lang="en-DE" sz="1100" dirty="0">
+                          <a:latin typeface="Red Hat Display" panose="02010303040201060303" pitchFamily="2" charset="0"/>
+                          <a:ea typeface="Red Hat Display" panose="02010303040201060303" pitchFamily="2" charset="0"/>
+                          <a:cs typeface="Red Hat Display" panose="02010303040201060303" pitchFamily="2" charset="0"/>
+                        </a:rPr>
+                        <a:t>#49083</a:t>
+                      </a:r>
+                    </a:p>
+                  </a:txBody>
+                  <a:tcPr anchor="ctr">
+                    <a:solidFill>
+                      <a:schemeClr val="bg1">
+                        <a:lumMod val="95000"/>
+                      </a:schemeClr>
+                    </a:solidFill>
+                  </a:tcPr>
+                </a:tc>
+                <a:tc>
+                  <a:txBody>
+                    <a:bodyPr/>
+                    <a:lstStyle/>
+                    <a:p>
+                      <a:pPr algn="ctr"/>
+                      <a:r>
+                        <a:rPr lang="en-DE" sz="1100" dirty="0">
+                          <a:latin typeface="Red Hat Display" panose="02010303040201060303" pitchFamily="2" charset="0"/>
+                          <a:ea typeface="Red Hat Display" panose="02010303040201060303" pitchFamily="2" charset="0"/>
+                          <a:cs typeface="Red Hat Display" panose="02010303040201060303" pitchFamily="2" charset="0"/>
+                        </a:rPr>
+                        <a:t>0</a:t>
+                      </a:r>
+                    </a:p>
+                  </a:txBody>
+                  <a:tcPr anchor="ctr">
+                    <a:solidFill>
+                      <a:schemeClr val="bg1">
+                        <a:lumMod val="95000"/>
+                      </a:schemeClr>
+                    </a:solidFill>
+                  </a:tcPr>
+                </a:tc>
+                <a:tc>
+                  <a:txBody>
+                    <a:bodyPr/>
+                    <a:lstStyle/>
+                    <a:p>
+                      <a:pPr algn="ctr"/>
+                      <a:r>
+                        <a:rPr lang="en-DE" sz="1100" dirty="0">
+                          <a:latin typeface="Red Hat Display" panose="02010303040201060303" pitchFamily="2" charset="0"/>
+                          <a:ea typeface="Red Hat Display" panose="02010303040201060303" pitchFamily="2" charset="0"/>
+                          <a:cs typeface="Red Hat Display" panose="02010303040201060303" pitchFamily="2" charset="0"/>
+                        </a:rPr>
+                        <a:t>0</a:t>
+                      </a:r>
+                    </a:p>
+                  </a:txBody>
+                  <a:tcPr anchor="ctr">
+                    <a:solidFill>
+                      <a:schemeClr val="bg1">
+                        <a:lumMod val="95000"/>
+                      </a:schemeClr>
+                    </a:solidFill>
+                  </a:tcPr>
+                </a:tc>
+                <a:tc>
+                  <a:txBody>
+                    <a:bodyPr/>
+                    <a:lstStyle/>
+                    <a:p>
+                      <a:pPr algn="ctr"/>
+                      <a:r>
+                        <a:rPr lang="en-DE" sz="1100" dirty="0">
+                          <a:latin typeface="Red Hat Display" panose="02010303040201060303" pitchFamily="2" charset="0"/>
+                          <a:ea typeface="Red Hat Display" panose="02010303040201060303" pitchFamily="2" charset="0"/>
+                          <a:cs typeface="Red Hat Display" panose="02010303040201060303" pitchFamily="2" charset="0"/>
+                        </a:rPr>
+                        <a:t>0</a:t>
+                      </a:r>
+                    </a:p>
+                  </a:txBody>
+                  <a:tcPr anchor="ctr">
+                    <a:solidFill>
+                      <a:schemeClr val="bg1">
+                        <a:lumMod val="95000"/>
+                      </a:schemeClr>
+                    </a:solidFill>
+                  </a:tcPr>
+                </a:tc>
+                <a:tc>
+                  <a:txBody>
+                    <a:bodyPr/>
+                    <a:lstStyle/>
+                    <a:p>
+                      <a:pPr algn="ctr"/>
+                      <a:r>
+                        <a:rPr lang="en-DE" sz="1100" dirty="0">
+                          <a:latin typeface="Red Hat Display" panose="02010303040201060303" pitchFamily="2" charset="0"/>
+                          <a:ea typeface="Red Hat Display" panose="02010303040201060303" pitchFamily="2" charset="0"/>
+                          <a:cs typeface="Red Hat Display" panose="02010303040201060303" pitchFamily="2" charset="0"/>
+                        </a:rPr>
+                        <a:t>1</a:t>
+                      </a:r>
+                    </a:p>
+                  </a:txBody>
+                  <a:tcPr anchor="ctr">
+                    <a:solidFill>
+                      <a:schemeClr val="bg1">
+                        <a:lumMod val="95000"/>
+                      </a:schemeClr>
+                    </a:solidFill>
+                  </a:tcPr>
+                </a:tc>
+                <a:tc>
+                  <a:txBody>
+                    <a:bodyPr/>
+                    <a:lstStyle/>
+                    <a:p>
+                      <a:pPr algn="ctr"/>
+                      <a:r>
+                        <a:rPr lang="en-DE" sz="1100" dirty="0">
+                          <a:latin typeface="Red Hat Display" panose="02010303040201060303" pitchFamily="2" charset="0"/>
+                          <a:ea typeface="Red Hat Display" panose="02010303040201060303" pitchFamily="2" charset="0"/>
+                          <a:cs typeface="Red Hat Display" panose="02010303040201060303" pitchFamily="2" charset="0"/>
+                        </a:rPr>
+                        <a:t>0</a:t>
+                      </a:r>
+                    </a:p>
+                  </a:txBody>
+                  <a:tcPr anchor="ctr">
+                    <a:solidFill>
+                      <a:schemeClr val="bg1">
+                        <a:lumMod val="95000"/>
+                      </a:schemeClr>
+                    </a:solidFill>
+                  </a:tcPr>
+                </a:tc>
+                <a:extLst>
+                  <a:ext uri="{0D108BD9-81ED-4DB2-BD59-A6C34878D82A}">
+                    <a16:rowId xmlns:a16="http://schemas.microsoft.com/office/drawing/2014/main" val="3798851918"/>
+                  </a:ext>
+                </a:extLst>
+              </a:tr>
+              <a:tr h="448364">
+                <a:tc>
+                  <a:txBody>
+                    <a:bodyPr/>
+                    <a:lstStyle/>
+                    <a:p>
+                      <a:pPr algn="ctr"/>
+                      <a:r>
+                        <a:rPr lang="en-DE" sz="1100" dirty="0">
+                          <a:latin typeface="Red Hat Display" panose="02010303040201060303" pitchFamily="2" charset="0"/>
+                          <a:ea typeface="Red Hat Display" panose="02010303040201060303" pitchFamily="2" charset="0"/>
+                          <a:cs typeface="Red Hat Display" panose="02010303040201060303" pitchFamily="2" charset="0"/>
+                        </a:rPr>
+                        <a:t>#59867</a:t>
+                      </a:r>
+                    </a:p>
+                  </a:txBody>
+                  <a:tcPr anchor="ctr">
+                    <a:solidFill>
+                      <a:schemeClr val="bg1">
+                        <a:lumMod val="95000"/>
+                      </a:schemeClr>
+                    </a:solidFill>
+                  </a:tcPr>
+                </a:tc>
+                <a:tc>
+                  <a:txBody>
+                    <a:bodyPr/>
+                    <a:lstStyle/>
+                    <a:p>
+                      <a:pPr algn="ctr"/>
+                      <a:r>
+                        <a:rPr lang="en-DE" sz="1100" dirty="0">
+                          <a:latin typeface="Red Hat Display" panose="02010303040201060303" pitchFamily="2" charset="0"/>
+                          <a:ea typeface="Red Hat Display" panose="02010303040201060303" pitchFamily="2" charset="0"/>
+                          <a:cs typeface="Red Hat Display" panose="02010303040201060303" pitchFamily="2" charset="0"/>
+                        </a:rPr>
+                        <a:t>0</a:t>
+                      </a:r>
+                    </a:p>
+                  </a:txBody>
+                  <a:tcPr anchor="ctr">
+                    <a:solidFill>
+                      <a:schemeClr val="bg1">
+                        <a:lumMod val="95000"/>
+                      </a:schemeClr>
+                    </a:solidFill>
+                  </a:tcPr>
+                </a:tc>
+                <a:tc>
+                  <a:txBody>
+                    <a:bodyPr/>
+                    <a:lstStyle/>
+                    <a:p>
+                      <a:pPr algn="ctr"/>
+                      <a:r>
+                        <a:rPr lang="en-DE" sz="1100" dirty="0">
+                          <a:latin typeface="Red Hat Display" panose="02010303040201060303" pitchFamily="2" charset="0"/>
+                          <a:ea typeface="Red Hat Display" panose="02010303040201060303" pitchFamily="2" charset="0"/>
+                          <a:cs typeface="Red Hat Display" panose="02010303040201060303" pitchFamily="2" charset="0"/>
+                        </a:rPr>
+                        <a:t>0</a:t>
+                      </a:r>
+                    </a:p>
+                  </a:txBody>
+                  <a:tcPr anchor="ctr">
+                    <a:solidFill>
+                      <a:schemeClr val="bg1">
+                        <a:lumMod val="95000"/>
+                      </a:schemeClr>
+                    </a:solidFill>
+                  </a:tcPr>
+                </a:tc>
+                <a:tc>
+                  <a:txBody>
+                    <a:bodyPr/>
+                    <a:lstStyle/>
+                    <a:p>
+                      <a:pPr algn="ctr"/>
+                      <a:r>
+                        <a:rPr lang="en-DE" sz="1100" dirty="0">
+                          <a:latin typeface="Red Hat Display" panose="02010303040201060303" pitchFamily="2" charset="0"/>
+                          <a:ea typeface="Red Hat Display" panose="02010303040201060303" pitchFamily="2" charset="0"/>
+                          <a:cs typeface="Red Hat Display" panose="02010303040201060303" pitchFamily="2" charset="0"/>
+                        </a:rPr>
+                        <a:t>0</a:t>
+                      </a:r>
+                    </a:p>
+                  </a:txBody>
+                  <a:tcPr anchor="ctr">
+                    <a:solidFill>
+                      <a:schemeClr val="bg1">
+                        <a:lumMod val="95000"/>
+                      </a:schemeClr>
+                    </a:solidFill>
+                  </a:tcPr>
+                </a:tc>
+                <a:tc>
+                  <a:txBody>
+                    <a:bodyPr/>
+                    <a:lstStyle/>
+                    <a:p>
+                      <a:pPr algn="ctr"/>
+                      <a:r>
+                        <a:rPr lang="en-DE" sz="1100" dirty="0">
+                          <a:latin typeface="Red Hat Display" panose="02010303040201060303" pitchFamily="2" charset="0"/>
+                          <a:ea typeface="Red Hat Display" panose="02010303040201060303" pitchFamily="2" charset="0"/>
+                          <a:cs typeface="Red Hat Display" panose="02010303040201060303" pitchFamily="2" charset="0"/>
+                        </a:rPr>
+                        <a:t>0</a:t>
+                      </a:r>
+                    </a:p>
+                  </a:txBody>
+                  <a:tcPr anchor="ctr">
+                    <a:solidFill>
+                      <a:schemeClr val="bg1">
+                        <a:lumMod val="95000"/>
+                      </a:schemeClr>
+                    </a:solidFill>
+                  </a:tcPr>
+                </a:tc>
+                <a:tc>
+                  <a:txBody>
+                    <a:bodyPr/>
+                    <a:lstStyle/>
+                    <a:p>
+                      <a:pPr algn="ctr"/>
+                      <a:r>
+                        <a:rPr lang="en-DE" sz="1100" dirty="0">
+                          <a:latin typeface="Red Hat Display" panose="02010303040201060303" pitchFamily="2" charset="0"/>
+                          <a:ea typeface="Red Hat Display" panose="02010303040201060303" pitchFamily="2" charset="0"/>
+                          <a:cs typeface="Red Hat Display" panose="02010303040201060303" pitchFamily="2" charset="0"/>
+                        </a:rPr>
+                        <a:t>1</a:t>
+                      </a:r>
+                    </a:p>
+                  </a:txBody>
+                  <a:tcPr anchor="ctr">
+                    <a:solidFill>
+                      <a:schemeClr val="bg1">
+                        <a:lumMod val="95000"/>
+                      </a:schemeClr>
+                    </a:solidFill>
+                  </a:tcPr>
+                </a:tc>
+                <a:extLst>
+                  <a:ext uri="{0D108BD9-81ED-4DB2-BD59-A6C34878D82A}">
+                    <a16:rowId xmlns:a16="http://schemas.microsoft.com/office/drawing/2014/main" val="589166970"/>
+                  </a:ext>
+                </a:extLst>
+              </a:tr>
+            </a:tbl>
+          </a:graphicData>
+        </a:graphic>
+      </p:graphicFrame>
+      <p:sp>
+        <p:nvSpPr>
+          <p:cNvPr id="5" name="Down Arrow 4">
+            <a:extLst>
+              <a:ext uri="{FF2B5EF4-FFF2-40B4-BE49-F238E27FC236}">
+                <a16:creationId xmlns:a16="http://schemas.microsoft.com/office/drawing/2014/main" id="{A1661019-F561-8449-8D87-872B87480F08}"/>
+              </a:ext>
+            </a:extLst>
+          </p:cNvPr>
+          <p:cNvSpPr/>
+          <p:nvPr/>
+        </p:nvSpPr>
+        <p:spPr>
+          <a:xfrm rot="16200000">
+            <a:off x="4430654" y="2585292"/>
+            <a:ext cx="247974" cy="1439442"/>
+          </a:xfrm>
+          <a:prstGeom prst="downArrow">
+            <a:avLst/>
+          </a:prstGeom>
+          <a:solidFill>
+            <a:srgbClr val="1E9374"/>
+          </a:solidFill>
+          <a:ln>
+            <a:noFill/>
+          </a:ln>
+        </p:spPr>
+        <p:style>
+          <a:lnRef idx="2">
+            <a:schemeClr val="accent1">
+              <a:shade val="50000"/>
+            </a:schemeClr>
+          </a:lnRef>
+          <a:fillRef idx="1">
+            <a:schemeClr val="accent1"/>
+          </a:fillRef>
+          <a:effectRef idx="0">
+            <a:schemeClr val="accent1"/>
+          </a:effectRef>
+          <a:fontRef idx="minor">
+            <a:schemeClr val="lt1"/>
+          </a:fontRef>
+        </p:style>
+        <p:txBody>
+          <a:bodyPr rtlCol="0" anchor="ctr"/>
+          <a:lstStyle/>
+          <a:p>
+            <a:pPr algn="ctr"/>
+            <a:endParaRPr lang="en-DE"/>
+          </a:p>
+        </p:txBody>
+      </p:sp>
+      <p:sp>
+        <p:nvSpPr>
+          <p:cNvPr id="6" name="TextBox 5">
+            <a:extLst>
+              <a:ext uri="{FF2B5EF4-FFF2-40B4-BE49-F238E27FC236}">
+                <a16:creationId xmlns:a16="http://schemas.microsoft.com/office/drawing/2014/main" id="{4C9BF5FC-E81F-E942-B293-C2348FD01627}"/>
+              </a:ext>
+            </a:extLst>
+          </p:cNvPr>
+          <p:cNvSpPr txBox="1"/>
+          <p:nvPr/>
+        </p:nvSpPr>
+        <p:spPr>
+          <a:xfrm>
+            <a:off x="3847799" y="2884679"/>
+            <a:ext cx="1324722" cy="276999"/>
+          </a:xfrm>
+          <a:prstGeom prst="rect">
+            <a:avLst/>
+          </a:prstGeom>
+          <a:noFill/>
+        </p:spPr>
+        <p:txBody>
+          <a:bodyPr wrap="none" rtlCol="0">
+            <a:spAutoFit/>
+          </a:bodyPr>
+          <a:lstStyle/>
+          <a:p>
+            <a:r>
+              <a:rPr lang="en-DE" sz="1200" dirty="0"/>
+              <a:t>One-Hot Encoding</a:t>
+            </a:r>
+          </a:p>
+        </p:txBody>
+      </p:sp>
+    </p:spTree>
+    <p:extLst>
+      <p:ext uri="{BB962C8B-B14F-4D97-AF65-F5344CB8AC3E}">
+        <p14:creationId xmlns:p14="http://schemas.microsoft.com/office/powerpoint/2010/main" val="3338716046"/>
+      </p:ext>
+    </p:extLst>
+  </p:cSld>
+  <p:clrMapOvr>
+    <a:masterClrMapping/>
+  </p:clrMapOvr>
+</p:sld>
+</file>
+
+<file path=ppt/slides/slide7.xml><?xml version="1.0" encoding="utf-8"?>
+<p:sld xmlns:a="http://schemas.openxmlformats.org/drawingml/2006/main" xmlns:r="http://schemas.openxmlformats.org/officeDocument/2006/relationships" xmlns:p="http://schemas.openxmlformats.org/presentationml/2006/main">
+  <p:cSld>
+    <p:spTree>
+      <p:nvGrpSpPr>
+        <p:cNvPr id="1" name=""/>
+        <p:cNvGrpSpPr/>
+        <p:nvPr/>
+      </p:nvGrpSpPr>
+      <p:grpSpPr>
+        <a:xfrm>
+          <a:off x="0" y="0"/>
+          <a:ext cx="0" cy="0"/>
+          <a:chOff x="0" y="0"/>
+          <a:chExt cx="0" cy="0"/>
+        </a:xfrm>
+      </p:grpSpPr>
       <p:sp>
         <p:nvSpPr>
           <p:cNvPr id="39" name="Rectangle 38">
@@ -9042,7 +10706,7 @@
 </p:sld>
 </file>
 
-<file path=ppt/slides/slide7.xml><?xml version="1.0" encoding="utf-8"?>
+<file path=ppt/slides/slide8.xml><?xml version="1.0" encoding="utf-8"?>
 <p:sld xmlns:a="http://schemas.openxmlformats.org/drawingml/2006/main" xmlns:r="http://schemas.openxmlformats.org/officeDocument/2006/relationships" xmlns:p="http://schemas.openxmlformats.org/presentationml/2006/main">
   <p:cSld>
     <p:spTree>

--- a/Writing & Literature/Graphics from pptx/Thesis_Graphics.pptx
+++ b/Writing & Literature/Graphics from pptx/Thesis_Graphics.pptx
@@ -4242,7 +4242,7 @@
                   <a:rPr lang="en-US" dirty="0">
                     <a:latin typeface="Red Hat Display" panose="02010503040201060303" pitchFamily="2" charset="77"/>
                   </a:rPr>
-                  <a:t>Selecting Most Parsimonious Model with Lowest Test Error</a:t>
+                  <a:t>Selecting Model with Lowest Test Mean Squared Error</a:t>
                 </a:r>
               </a:p>
             </p:txBody>
@@ -4279,9 +4279,7 @@
                 <a:r>
                   <a:rPr lang="en-US" dirty="0">
                     <a:solidFill>
-                      <a:schemeClr val="accent5">
-                        <a:lumMod val="50000"/>
-                      </a:schemeClr>
+                      <a:srgbClr val="360A4F"/>
                     </a:solidFill>
                     <a:latin typeface="Red Hat Display" panose="02010503040201060303" pitchFamily="2" charset="77"/>
                   </a:rPr>
@@ -4293,9 +4291,7 @@
                 <a:r>
                   <a:rPr lang="en-US" dirty="0">
                     <a:solidFill>
-                      <a:schemeClr val="accent5">
-                        <a:lumMod val="50000"/>
-                      </a:schemeClr>
+                      <a:srgbClr val="360A4F"/>
                     </a:solidFill>
                     <a:latin typeface="Red Hat Display" panose="02010503040201060303" pitchFamily="2" charset="77"/>
                   </a:rPr>
@@ -4467,9 +4463,9 @@
         </p:nvGrpSpPr>
         <p:grpSpPr>
           <a:xfrm>
-            <a:off x="1380266" y="3454938"/>
+            <a:off x="1380266" y="3522456"/>
             <a:ext cx="9066768" cy="923330"/>
-            <a:chOff x="1242242" y="3696480"/>
+            <a:chOff x="1242242" y="3763998"/>
             <a:chExt cx="9066768" cy="923330"/>
           </a:xfrm>
         </p:grpSpPr>
@@ -4487,9 +4483,9 @@
           </p:nvGrpSpPr>
           <p:grpSpPr>
             <a:xfrm>
-              <a:off x="1242242" y="3696480"/>
+              <a:off x="1242242" y="3763998"/>
               <a:ext cx="9066768" cy="923330"/>
-              <a:chOff x="1242242" y="3696480"/>
+              <a:chOff x="1242242" y="3763998"/>
               <a:chExt cx="9066768" cy="923330"/>
             </a:xfrm>
           </p:grpSpPr>
@@ -4507,7 +4503,7 @@
             </p:nvSpPr>
             <p:spPr>
               <a:xfrm>
-                <a:off x="9210164" y="3890573"/>
+                <a:off x="9210164" y="3902498"/>
                 <a:ext cx="1098846" cy="646331"/>
               </a:xfrm>
               <a:prstGeom prst="rect">
@@ -4525,9 +4521,7 @@
                 <a:r>
                   <a:rPr lang="en-US" dirty="0">
                     <a:solidFill>
-                      <a:schemeClr val="accent5">
-                        <a:lumMod val="50000"/>
-                      </a:schemeClr>
+                      <a:srgbClr val="360A4F"/>
                     </a:solidFill>
                     <a:latin typeface="Red Hat Display" panose="02010503040201060303" pitchFamily="2" charset="77"/>
                   </a:rPr>
@@ -4539,9 +4533,7 @@
                 <a:r>
                   <a:rPr lang="en-US" dirty="0">
                     <a:solidFill>
-                      <a:schemeClr val="accent5">
-                        <a:lumMod val="50000"/>
-                      </a:schemeClr>
+                      <a:srgbClr val="360A4F"/>
                     </a:solidFill>
                     <a:latin typeface="Red Hat Display" panose="02010503040201060303" pitchFamily="2" charset="77"/>
                   </a:rPr>
@@ -4564,8 +4556,8 @@
             </p:nvSpPr>
             <p:spPr>
               <a:xfrm>
-                <a:off x="5226203" y="3878409"/>
-                <a:ext cx="2380341" cy="646331"/>
+                <a:off x="5226203" y="3763998"/>
+                <a:ext cx="2380341" cy="923330"/>
               </a:xfrm>
               <a:prstGeom prst="rect">
                 <a:avLst/>
@@ -4583,7 +4575,7 @@
                   <a:rPr lang="en-US" dirty="0">
                     <a:latin typeface="Red Hat Display" panose="02010503040201060303" pitchFamily="2" charset="77"/>
                   </a:rPr>
-                  <a:t>Tuning Selected Model</a:t>
+                  <a:t>Tuning Selected Model Hyperparameters</a:t>
                 </a:r>
               </a:p>
             </p:txBody>
@@ -4602,7 +4594,7 @@
             </p:nvSpPr>
             <p:spPr>
               <a:xfrm>
-                <a:off x="1242242" y="3696480"/>
+                <a:off x="1242242" y="3763998"/>
                 <a:ext cx="2380341" cy="923330"/>
               </a:xfrm>
               <a:prstGeom prst="rect">
@@ -4818,7 +4810,7 @@
                   <a:rPr lang="en-US" dirty="0">
                     <a:latin typeface="Red Hat Display" panose="02010503040201060303" pitchFamily="2" charset="77"/>
                   </a:rPr>
-                  <a:t>Use SHAP Values to Analyze Variable Behavior</a:t>
+                  <a:t>Use PDP Values to Analyze Important Variable Behavior</a:t>
                 </a:r>
               </a:p>
             </p:txBody>
@@ -4856,7 +4848,7 @@
                   <a:rPr lang="en-US" dirty="0">
                     <a:latin typeface="Red Hat Display" panose="02010503040201060303" pitchFamily="2" charset="77"/>
                   </a:rPr>
-                  <a:t>Apply SHAP Values to Dissect Predictive Power</a:t>
+                  <a:t>Apply Importance  Values to Dissect Predictive Power</a:t>
                 </a:r>
               </a:p>
             </p:txBody>
@@ -5438,7 +5430,11 @@
               <a:prstGeom prst="roundRect">
                 <a:avLst/>
               </a:prstGeom>
-              <a:noFill/>
+              <a:solidFill>
+                <a:srgbClr val="360A4F">
+                  <a:alpha val="15000"/>
+                </a:srgbClr>
+              </a:solidFill>
               <a:ln>
                 <a:solidFill>
                   <a:schemeClr val="tx1">
@@ -6563,11 +6559,9 @@
                   <a:avLst/>
                 </a:prstGeom>
                 <a:solidFill>
-                  <a:schemeClr val="accent5">
-                    <a:lumMod val="20000"/>
-                    <a:lumOff val="80000"/>
-                    <a:alpha val="30000"/>
-                  </a:schemeClr>
+                  <a:srgbClr val="360A4F">
+                    <a:alpha val="15000"/>
+                  </a:srgbClr>
                 </a:solidFill>
                 <a:ln>
                   <a:solidFill>
@@ -6856,7 +6850,9 @@
                   <a:avLst/>
                 </a:prstGeom>
                 <a:solidFill>
-                  <a:srgbClr val="F5F9FE"/>
+                  <a:srgbClr val="360A4F">
+                    <a:alpha val="15000"/>
+                  </a:srgbClr>
                 </a:solidFill>
                 <a:ln>
                   <a:solidFill>
@@ -7145,7 +7141,9 @@
                   <a:avLst/>
                 </a:prstGeom>
                 <a:solidFill>
-                  <a:srgbClr val="F5F9FE"/>
+                  <a:srgbClr val="360A4F">
+                    <a:alpha val="15000"/>
+                  </a:srgbClr>
                 </a:solidFill>
                 <a:ln>
                   <a:solidFill>
@@ -7434,7 +7432,9 @@
                   <a:avLst/>
                 </a:prstGeom>
                 <a:solidFill>
-                  <a:srgbClr val="F5F9FE"/>
+                  <a:srgbClr val="360A4F">
+                    <a:alpha val="15000"/>
+                  </a:srgbClr>
                 </a:solidFill>
                 <a:ln>
                   <a:solidFill>
